--- a/slides/laravel-mvc.pptx
+++ b/slides/laravel-mvc.pptx
@@ -15,6 +15,7 @@
     <p:sldId id="263" r:id="rId9"/>
     <p:sldId id="264" r:id="rId10"/>
     <p:sldId id="265" r:id="rId11"/>
+    <p:sldId id="266" r:id="rId12"/>
   </p:sldIdLst>
   <p:sldSz cx="9144000" cy="6858000" type="screen4x3"/>
   <p:notesSz cx="6858000" cy="9144000"/>
@@ -113,6 +114,22 @@
       </a:defRPr>
     </a:lvl9pPr>
   </p:defaultTextStyle>
+  <p:extLst>
+    <p:ext uri="{EFAFB233-063F-42B5-8137-9DF3F51BA10A}">
+      <p15:sldGuideLst xmlns:p15="http://schemas.microsoft.com/office/powerpoint/2012/main">
+        <p15:guide id="1" orient="horz" pos="2160">
+          <p15:clr>
+            <a:srgbClr val="A4A3A4"/>
+          </p15:clr>
+        </p15:guide>
+        <p15:guide id="2" pos="2880">
+          <p15:clr>
+            <a:srgbClr val="A4A3A4"/>
+          </p15:clr>
+        </p15:guide>
+      </p15:sldGuideLst>
+    </p:ext>
+  </p:extLst>
 </p:presentation>
 </file>
 
@@ -298,7 +315,7 @@
             <a:fld id="{2E700DB3-DBF0-4086-B675-117E7A9610B8}" type="datetimeFigureOut">
               <a:rPr lang="pt-BR" smtClean="0"/>
               <a:pPr/>
-              <a:t>06/05/2025</a:t>
+              <a:t>26/05/2025</a:t>
             </a:fld>
             <a:endParaRPr lang="pt-BR"/>
           </a:p>
@@ -465,7 +482,7 @@
             <a:fld id="{2E700DB3-DBF0-4086-B675-117E7A9610B8}" type="datetimeFigureOut">
               <a:rPr lang="pt-BR" smtClean="0"/>
               <a:pPr/>
-              <a:t>06/05/2025</a:t>
+              <a:t>26/05/2025</a:t>
             </a:fld>
             <a:endParaRPr lang="pt-BR"/>
           </a:p>
@@ -642,7 +659,7 @@
             <a:fld id="{2E700DB3-DBF0-4086-B675-117E7A9610B8}" type="datetimeFigureOut">
               <a:rPr lang="pt-BR" smtClean="0"/>
               <a:pPr/>
-              <a:t>06/05/2025</a:t>
+              <a:t>26/05/2025</a:t>
             </a:fld>
             <a:endParaRPr lang="pt-BR"/>
           </a:p>
@@ -809,7 +826,7 @@
             <a:fld id="{2E700DB3-DBF0-4086-B675-117E7A9610B8}" type="datetimeFigureOut">
               <a:rPr lang="pt-BR" smtClean="0"/>
               <a:pPr/>
-              <a:t>06/05/2025</a:t>
+              <a:t>26/05/2025</a:t>
             </a:fld>
             <a:endParaRPr lang="pt-BR"/>
           </a:p>
@@ -1052,7 +1069,7 @@
             <a:fld id="{2E700DB3-DBF0-4086-B675-117E7A9610B8}" type="datetimeFigureOut">
               <a:rPr lang="pt-BR" smtClean="0"/>
               <a:pPr/>
-              <a:t>06/05/2025</a:t>
+              <a:t>26/05/2025</a:t>
             </a:fld>
             <a:endParaRPr lang="pt-BR"/>
           </a:p>
@@ -1337,7 +1354,7 @@
             <a:fld id="{2E700DB3-DBF0-4086-B675-117E7A9610B8}" type="datetimeFigureOut">
               <a:rPr lang="pt-BR" smtClean="0"/>
               <a:pPr/>
-              <a:t>06/05/2025</a:t>
+              <a:t>26/05/2025</a:t>
             </a:fld>
             <a:endParaRPr lang="pt-BR"/>
           </a:p>
@@ -1756,7 +1773,7 @@
             <a:fld id="{2E700DB3-DBF0-4086-B675-117E7A9610B8}" type="datetimeFigureOut">
               <a:rPr lang="pt-BR" smtClean="0"/>
               <a:pPr/>
-              <a:t>06/05/2025</a:t>
+              <a:t>26/05/2025</a:t>
             </a:fld>
             <a:endParaRPr lang="pt-BR"/>
           </a:p>
@@ -1871,7 +1888,7 @@
             <a:fld id="{2E700DB3-DBF0-4086-B675-117E7A9610B8}" type="datetimeFigureOut">
               <a:rPr lang="pt-BR" smtClean="0"/>
               <a:pPr/>
-              <a:t>06/05/2025</a:t>
+              <a:t>26/05/2025</a:t>
             </a:fld>
             <a:endParaRPr lang="pt-BR"/>
           </a:p>
@@ -1963,7 +1980,7 @@
             <a:fld id="{2E700DB3-DBF0-4086-B675-117E7A9610B8}" type="datetimeFigureOut">
               <a:rPr lang="pt-BR" smtClean="0"/>
               <a:pPr/>
-              <a:t>06/05/2025</a:t>
+              <a:t>26/05/2025</a:t>
             </a:fld>
             <a:endParaRPr lang="pt-BR"/>
           </a:p>
@@ -2237,7 +2254,7 @@
             <a:fld id="{2E700DB3-DBF0-4086-B675-117E7A9610B8}" type="datetimeFigureOut">
               <a:rPr lang="pt-BR" smtClean="0"/>
               <a:pPr/>
-              <a:t>06/05/2025</a:t>
+              <a:t>26/05/2025</a:t>
             </a:fld>
             <a:endParaRPr lang="pt-BR"/>
           </a:p>
@@ -2487,7 +2504,7 @@
             <a:fld id="{2E700DB3-DBF0-4086-B675-117E7A9610B8}" type="datetimeFigureOut">
               <a:rPr lang="pt-BR" smtClean="0"/>
               <a:pPr/>
-              <a:t>06/05/2025</a:t>
+              <a:t>26/05/2025</a:t>
             </a:fld>
             <a:endParaRPr lang="pt-BR"/>
           </a:p>
@@ -2697,7 +2714,7 @@
             <a:fld id="{2E700DB3-DBF0-4086-B675-117E7A9610B8}" type="datetimeFigureOut">
               <a:rPr lang="pt-BR" smtClean="0"/>
               <a:pPr/>
-              <a:t>06/05/2025</a:t>
+              <a:t>26/05/2025</a:t>
             </a:fld>
             <a:endParaRPr lang="pt-BR"/>
           </a:p>
@@ -3087,11 +3104,7 @@
           <a:p>
             <a:r>
               <a:rPr lang="pt-BR" dirty="0" smtClean="0"/>
-              <a:t>Frameworks para desenvolvimento </a:t>
-            </a:r>
-            <a:r>
-              <a:rPr lang="pt-BR" dirty="0" smtClean="0"/>
-              <a:t>WEB</a:t>
+              <a:t>Frameworks para desenvolvimento WEB</a:t>
             </a:r>
             <a:endParaRPr lang="pt-BR" dirty="0"/>
           </a:p>
@@ -3231,11 +3244,7 @@
             </a:r>
             <a:r>
               <a:rPr lang="pt-BR" sz="2400" dirty="0" smtClean="0"/>
-              <a:t> - é </a:t>
-            </a:r>
-            <a:r>
-              <a:rPr lang="pt-BR" sz="2400" dirty="0" smtClean="0"/>
-              <a:t>muito confundido com o </a:t>
+              <a:t> - é muito confundido com o </a:t>
             </a:r>
             <a:r>
               <a:rPr lang="pt-BR" sz="2400" dirty="0" err="1" smtClean="0"/>
@@ -3261,11 +3270,7 @@
             </a:r>
             <a:r>
               <a:rPr lang="pt-BR" sz="2400" dirty="0" smtClean="0"/>
-              <a:t> -  cuida </a:t>
-            </a:r>
-            <a:r>
-              <a:rPr lang="pt-BR" sz="2400" dirty="0" smtClean="0"/>
-              <a:t>da parte desta visualização para o usuário final. Ele é como o </a:t>
+              <a:t> -  cuida da parte desta visualização para o usuário final. Ele é como o </a:t>
             </a:r>
             <a:r>
               <a:rPr lang="pt-BR" sz="2400" dirty="0" err="1" smtClean="0"/>
@@ -3273,15 +3278,7 @@
             </a:r>
             <a:r>
               <a:rPr lang="pt-BR" sz="2400" dirty="0" smtClean="0"/>
-              <a:t> </a:t>
-            </a:r>
-            <a:r>
-              <a:rPr lang="pt-BR" sz="2400" dirty="0" smtClean="0"/>
-              <a:t>da </a:t>
-            </a:r>
-            <a:r>
-              <a:rPr lang="pt-BR" sz="2400" dirty="0" smtClean="0"/>
-              <a:t>aplicação. Nesta arquitetura, esta camada fica armazenado os arquivos </a:t>
+              <a:t> da aplicação. Nesta arquitetura, esta camada fica armazenado os arquivos </a:t>
             </a:r>
             <a:r>
               <a:rPr lang="pt-BR" sz="2400" dirty="0" err="1" smtClean="0"/>
@@ -3336,6 +3333,98 @@
         </p:txBody>
       </p:sp>
     </p:spTree>
+  </p:cSld>
+  <p:clrMapOvr>
+    <a:masterClrMapping/>
+  </p:clrMapOvr>
+</p:sld>
+</file>
+
+<file path=ppt/slides/slide11.xml><?xml version="1.0" encoding="utf-8"?>
+<p:sld xmlns:a="http://schemas.openxmlformats.org/drawingml/2006/main" xmlns:r="http://schemas.openxmlformats.org/officeDocument/2006/relationships" xmlns:p="http://schemas.openxmlformats.org/presentationml/2006/main">
+  <p:cSld>
+    <p:spTree>
+      <p:nvGrpSpPr>
+        <p:cNvPr id="1" name=""/>
+        <p:cNvGrpSpPr/>
+        <p:nvPr/>
+      </p:nvGrpSpPr>
+      <p:grpSpPr>
+        <a:xfrm>
+          <a:off x="0" y="0"/>
+          <a:ext cx="0" cy="0"/>
+          <a:chOff x="0" y="0"/>
+          <a:chExt cx="0" cy="0"/>
+        </a:xfrm>
+      </p:grpSpPr>
+      <p:sp>
+        <p:nvSpPr>
+          <p:cNvPr id="2" name="Título 1"/>
+          <p:cNvSpPr>
+            <a:spLocks noGrp="1"/>
+          </p:cNvSpPr>
+          <p:nvPr>
+            <p:ph type="title"/>
+          </p:nvPr>
+        </p:nvSpPr>
+        <p:spPr/>
+        <p:txBody>
+          <a:bodyPr/>
+          <a:lstStyle/>
+          <a:p>
+            <a:r>
+              <a:rPr lang="pt-BR" dirty="0" smtClean="0"/>
+              <a:t>Referências Bibliográficas</a:t>
+            </a:r>
+            <a:endParaRPr lang="pt-BR" dirty="0"/>
+          </a:p>
+        </p:txBody>
+      </p:sp>
+      <p:sp>
+        <p:nvSpPr>
+          <p:cNvPr id="3" name="Espaço Reservado para Conteúdo 2"/>
+          <p:cNvSpPr>
+            <a:spLocks noGrp="1"/>
+          </p:cNvSpPr>
+          <p:nvPr>
+            <p:ph idx="1"/>
+          </p:nvPr>
+        </p:nvSpPr>
+        <p:spPr/>
+        <p:txBody>
+          <a:bodyPr>
+            <a:normAutofit/>
+          </a:bodyPr>
+          <a:lstStyle/>
+          <a:p>
+            <a:r>
+              <a:rPr lang="pt-BR" sz="1800" dirty="0">
+                <a:hlinkClick r:id="rId2"/>
+              </a:rPr>
+              <a:t>https://</a:t>
+            </a:r>
+            <a:r>
+              <a:rPr lang="pt-BR" sz="1800" dirty="0" smtClean="0">
+                <a:hlinkClick r:id="rId2"/>
+              </a:rPr>
+              <a:t>www.alura.com.br/conteudo/laravel-criando-aplicacao-mvc?srsltid=AfmBOooI8YShJzr9vcYVr7RtM_9VtnAjtUMT7WtSRCajRUORnZzgvK_a</a:t>
+            </a:r>
+            <a:endParaRPr lang="pt-BR" sz="1800" dirty="0" smtClean="0"/>
+          </a:p>
+          <a:p>
+            <a:r>
+              <a:rPr lang="pt-BR" sz="1800" dirty="0"/>
+              <a:t>https://fkrihnif.medium.com/understanding-the-mvc-architecture-in-laravel-a-comprehensive-guide-8f620cc139b6</a:t>
+            </a:r>
+          </a:p>
+        </p:txBody>
+      </p:sp>
+    </p:spTree>
+    <p:extLst>
+      <p:ext uri="{BB962C8B-B14F-4D97-AF65-F5344CB8AC3E}">
+        <p14:creationId xmlns:p14="http://schemas.microsoft.com/office/powerpoint/2010/main" val="1111291165"/>
+      </p:ext>
+    </p:extLst>
   </p:cSld>
   <p:clrMapOvr>
     <a:masterClrMapping/>
@@ -3515,11 +3604,7 @@
             </a:r>
             <a:r>
               <a:rPr lang="pt-BR" sz="2400" dirty="0" smtClean="0"/>
-              <a:t>, a compreensão de sua estrutura básica é essencial para um desenvolvimento eficaz</a:t>
-            </a:r>
-            <a:r>
-              <a:rPr lang="pt-BR" sz="2400" dirty="0" smtClean="0"/>
-              <a:t>.</a:t>
+              <a:t>, a compreensão de sua estrutura básica é essencial para um desenvolvimento eficaz.</a:t>
             </a:r>
           </a:p>
           <a:p>
@@ -3541,11 +3626,7 @@
             </a:r>
             <a:r>
               <a:rPr lang="pt-BR" sz="2400" dirty="0" smtClean="0"/>
-              <a:t> (MVC</a:t>
-            </a:r>
-            <a:r>
-              <a:rPr lang="pt-BR" sz="2400" dirty="0" smtClean="0"/>
-              <a:t>), iremos entender como o MVC é aplicado na estrutura do </a:t>
+              <a:t> (MVC), iremos entender como o MVC é aplicado na estrutura do </a:t>
             </a:r>
             <a:r>
               <a:rPr lang="pt-BR" sz="2400" dirty="0" err="1" smtClean="0"/>
@@ -3884,15 +3965,7 @@
           <a:p>
             <a:r>
               <a:rPr lang="pt-BR" b="1" dirty="0" smtClean="0"/>
-              <a:t>O fluxo </a:t>
-            </a:r>
-            <a:r>
-              <a:rPr lang="pt-BR" b="1" dirty="0" smtClean="0"/>
-              <a:t>MVC </a:t>
-            </a:r>
-            <a:r>
-              <a:rPr lang="pt-BR" b="1" dirty="0" smtClean="0"/>
-              <a:t>em </a:t>
+              <a:t>O fluxo MVC em </a:t>
             </a:r>
             <a:r>
               <a:rPr lang="pt-BR" b="1" dirty="0" err="1" smtClean="0"/>
@@ -3933,11 +4006,7 @@
             </a:r>
             <a:r>
               <a:rPr lang="pt-BR" sz="2400" dirty="0" smtClean="0"/>
-              <a:t>, uma solicitação é enviada para o servidor</a:t>
-            </a:r>
-            <a:r>
-              <a:rPr lang="pt-BR" sz="2400" dirty="0" smtClean="0"/>
-              <a:t>.</a:t>
+              <a:t>, uma solicitação é enviada para o servidor.</a:t>
             </a:r>
           </a:p>
           <a:p>
@@ -3975,11 +4044,7 @@
             </a:r>
             <a:r>
               <a:rPr lang="pt-BR" sz="2400" dirty="0" smtClean="0"/>
-              <a:t> apropriado com base nas rotas definidas</a:t>
-            </a:r>
-            <a:r>
-              <a:rPr lang="pt-BR" sz="2400" dirty="0" smtClean="0"/>
-              <a:t>.</a:t>
+              <a:t> apropriado com base nas rotas definidas.</a:t>
             </a:r>
           </a:p>
           <a:p>
@@ -4047,15 +4112,7 @@
           <a:p>
             <a:r>
               <a:rPr lang="pt-BR" b="1" dirty="0" smtClean="0"/>
-              <a:t>O fluxo </a:t>
-            </a:r>
-            <a:r>
-              <a:rPr lang="pt-BR" b="1" dirty="0" smtClean="0"/>
-              <a:t>MVC </a:t>
-            </a:r>
-            <a:r>
-              <a:rPr lang="pt-BR" b="1" dirty="0" smtClean="0"/>
-              <a:t>em </a:t>
+              <a:t>O fluxo MVC em </a:t>
             </a:r>
             <a:r>
               <a:rPr lang="pt-BR" b="1" dirty="0" err="1" smtClean="0"/>
@@ -4088,11 +4145,7 @@
             </a:pPr>
             <a:r>
               <a:rPr lang="pt-BR" sz="2400" dirty="0" smtClean="0"/>
-              <a:t>Modelo: O Modelo lida com interações de banco de dados, como consultas ou atualização de registros, com base nas instruções do Controlador</a:t>
-            </a:r>
-            <a:r>
-              <a:rPr lang="pt-BR" sz="2400" dirty="0" smtClean="0"/>
-              <a:t>.</a:t>
+              <a:t>Modelo: O Modelo lida com interações de banco de dados, como consultas ou atualização de registros, com base nas instruções do Controlador.</a:t>
             </a:r>
           </a:p>
           <a:p>
@@ -4102,11 +4155,7 @@
             </a:pPr>
             <a:r>
               <a:rPr lang="pt-BR" sz="2400" dirty="0" smtClean="0"/>
-              <a:t>Preparação de dados: Os dados processados são então passados do Controlador para a Exibição apropriada</a:t>
-            </a:r>
-            <a:r>
-              <a:rPr lang="pt-BR" sz="2400" dirty="0" smtClean="0"/>
-              <a:t>.</a:t>
+              <a:t>Preparação de dados: Os dados processados são então passados do Controlador para a Exibição apropriada.</a:t>
             </a:r>
           </a:p>
           <a:p>
@@ -4120,11 +4169,7 @@
             </a:r>
             <a:r>
               <a:rPr lang="pt-BR" sz="2400" dirty="0" smtClean="0"/>
-              <a:t>: recebe </a:t>
-            </a:r>
-            <a:r>
-              <a:rPr lang="pt-BR" sz="2400" dirty="0" smtClean="0"/>
-              <a:t>os dados e usa o mecanismo </a:t>
+              <a:t>: recebe os dados e usa o mecanismo </a:t>
             </a:r>
             <a:r>
               <a:rPr lang="pt-BR" sz="2400" dirty="0" err="1" smtClean="0"/>
@@ -4140,11 +4185,7 @@
             </a:r>
             <a:r>
               <a:rPr lang="pt-BR" sz="2400" dirty="0" smtClean="0"/>
-              <a:t> a saída HTML final, que é enviada de volta para o navegador do usuário</a:t>
-            </a:r>
-            <a:r>
-              <a:rPr lang="pt-BR" sz="2400" dirty="0" smtClean="0"/>
-              <a:t>.</a:t>
+              <a:t> a saída HTML final, que é enviada de volta para o navegador do usuário.</a:t>
             </a:r>
           </a:p>
           <a:p>
@@ -4154,11 +4195,7 @@
             </a:pPr>
             <a:r>
               <a:rPr lang="pt-BR" sz="2400" dirty="0" smtClean="0"/>
-              <a:t>Output: </a:t>
-            </a:r>
-            <a:r>
-              <a:rPr lang="pt-BR" sz="2400" dirty="0" smtClean="0"/>
-              <a:t>O HTML </a:t>
+              <a:t>Output: O HTML </a:t>
             </a:r>
             <a:r>
               <a:rPr lang="pt-BR" sz="2400" dirty="0" err="1" smtClean="0"/>
@@ -4283,19 +4320,7 @@
           <a:p>
             <a:r>
               <a:rPr lang="pt-BR" sz="2400" dirty="0" smtClean="0"/>
-              <a:t>A arquitetura MTV é uma derivação </a:t>
-            </a:r>
-            <a:r>
-              <a:rPr lang="pt-BR" sz="2400" dirty="0" smtClean="0"/>
-              <a:t>do MVC. </a:t>
-            </a:r>
-            <a:r>
-              <a:rPr lang="pt-BR" sz="2400" dirty="0" smtClean="0"/>
-              <a:t>O que se altera é a nomenclatura de arquivos e quais as camadas </a:t>
-            </a:r>
-            <a:r>
-              <a:rPr lang="pt-BR" sz="2400" dirty="0" smtClean="0"/>
-              <a:t>interconectadas</a:t>
+              <a:t>A arquitetura MTV é uma derivação do MVC. O que se altera é a nomenclatura de arquivos e quais as camadas interconectadas</a:t>
             </a:r>
           </a:p>
           <a:p>
